--- a/Solve_BSV-L1-Contract_BackToGenesis_Problem_WithoutHardFork_en.pptx
+++ b/Solve_BSV-L1-Contract_BackToGenesis_Problem_WithoutHardFork_en.pptx
@@ -5,15 +5,15 @@
     <p:sldMasterId id="2147483648" r:id="rId1"/>
   </p:sldMasterIdLst>
   <p:notesMasterIdLst>
-    <p:notesMasterId r:id="rId6"/>
+    <p:notesMasterId r:id="rId4"/>
   </p:notesMasterIdLst>
   <p:handoutMasterIdLst>
     <p:handoutMasterId r:id="rId11"/>
   </p:handoutMasterIdLst>
   <p:sldIdLst>
     <p:sldId id="262" r:id="rId3"/>
-    <p:sldId id="269" r:id="rId4"/>
-    <p:sldId id="259" r:id="rId5"/>
+    <p:sldId id="269" r:id="rId5"/>
+    <p:sldId id="259" r:id="rId6"/>
     <p:sldId id="266" r:id="rId7"/>
     <p:sldId id="267" r:id="rId8"/>
     <p:sldId id="268" r:id="rId9"/>
@@ -633,63 +633,29 @@
         <p:cNvGrpSpPr/>
         <p:nvPr/>
       </p:nvGrpSpPr>
-      <p:grpSpPr>
-        <a:xfrm>
-          <a:off x="0" y="0"/>
-          <a:ext cx="0" cy="0"/>
-          <a:chOff x="0" y="0"/>
-          <a:chExt cx="0" cy="0"/>
-        </a:xfrm>
-      </p:grpSpPr>
+      <p:grpSpPr/>
       <p:sp>
         <p:nvSpPr>
           <p:cNvPr id="2" name="幻灯片图像占位符 1"/>
-          <p:cNvSpPr>
-            <a:spLocks noGrp="true" noRot="true" noChangeAspect="true"/>
-          </p:cNvSpPr>
+          <p:cNvSpPr/>
           <p:nvPr>
-            <p:ph type="sldImg"/>
+            <p:ph type="sldImg" idx="2"/>
           </p:nvPr>
         </p:nvSpPr>
         <p:spPr/>
       </p:sp>
       <p:sp>
         <p:nvSpPr>
-          <p:cNvPr id="3" name="备注占位符 2"/>
-          <p:cNvSpPr>
-            <a:spLocks noGrp="true"/>
-          </p:cNvSpPr>
+          <p:cNvPr id="3" name="文本占位符 2"/>
+          <p:cNvSpPr/>
           <p:nvPr>
-            <p:ph type="body" idx="1"/>
+            <p:ph type="body" idx="3"/>
           </p:nvPr>
         </p:nvSpPr>
         <p:spPr/>
         <p:txBody>
           <a:bodyPr/>
-          <a:lstStyle/>
-          <a:p>
-            <a:endParaRPr lang="zh-CN" altLang="en-US"/>
-          </a:p>
-        </p:txBody>
-      </p:sp>
-      <p:sp>
-        <p:nvSpPr>
-          <p:cNvPr id="4" name="灯片编号占位符 3"/>
-          <p:cNvSpPr>
-            <a:spLocks noGrp="true"/>
-          </p:cNvSpPr>
-          <p:nvPr>
-            <p:ph type="sldNum" sz="quarter" idx="10"/>
-          </p:nvPr>
-        </p:nvSpPr>
-        <p:spPr/>
-        <p:txBody>
-          <a:bodyPr/>
-          <a:lstStyle/>
-          <a:p>
-            <a:fld id="{85D0DACE-38E0-42D2-9336-2B707D34BC6D}" type="slidenum">
-              <a:rPr lang="zh-CN" altLang="en-US" smtClean="0"/>
-            </a:fld>
+          <a:p>
             <a:endParaRPr lang="zh-CN" altLang="en-US"/>
           </a:p>
         </p:txBody>
@@ -804,19 +770,19 @@
             <a:spLocks noGrp="true" noRot="true" noChangeAspect="true"/>
           </p:cNvSpPr>
           <p:nvPr>
-            <p:ph type="sldImg" idx="2"/>
+            <p:ph type="sldImg"/>
           </p:nvPr>
         </p:nvSpPr>
         <p:spPr/>
       </p:sp>
       <p:sp>
         <p:nvSpPr>
-          <p:cNvPr id="3" name="文本占位符 2"/>
+          <p:cNvPr id="3" name="备注占位符 2"/>
           <p:cNvSpPr>
             <a:spLocks noGrp="true"/>
           </p:cNvSpPr>
           <p:nvPr>
-            <p:ph type="body" idx="3"/>
+            <p:ph type="body" idx="1"/>
           </p:nvPr>
         </p:nvSpPr>
         <p:spPr/>
@@ -824,6 +790,28 @@
           <a:bodyPr/>
           <a:lstStyle/>
           <a:p>
+            <a:endParaRPr lang="zh-CN" altLang="en-US"/>
+          </a:p>
+        </p:txBody>
+      </p:sp>
+      <p:sp>
+        <p:nvSpPr>
+          <p:cNvPr id="4" name="灯片编号占位符 3"/>
+          <p:cNvSpPr>
+            <a:spLocks noGrp="true"/>
+          </p:cNvSpPr>
+          <p:nvPr>
+            <p:ph type="sldNum" sz="quarter" idx="10"/>
+          </p:nvPr>
+        </p:nvSpPr>
+        <p:spPr/>
+        <p:txBody>
+          <a:bodyPr/>
+          <a:lstStyle/>
+          <a:p>
+            <a:fld id="{85D0DACE-38E0-42D2-9336-2B707D34BC6D}" type="slidenum">
+              <a:rPr lang="zh-CN" altLang="en-US" smtClean="0"/>
+            </a:fld>
             <a:endParaRPr lang="zh-CN" altLang="en-US"/>
           </a:p>
         </p:txBody>
@@ -837,6 +825,62 @@
 </file>
 
 <file path=ppt/notesSlides/notesSlide4.xml><?xml version="1.0" encoding="utf-8"?>
+<p:notes xmlns:a="http://schemas.openxmlformats.org/drawingml/2006/main" xmlns:r="http://schemas.openxmlformats.org/officeDocument/2006/relationships" xmlns:p="http://schemas.openxmlformats.org/presentationml/2006/main">
+  <p:cSld>
+    <p:spTree>
+      <p:nvGrpSpPr>
+        <p:cNvPr id="1" name=""/>
+        <p:cNvGrpSpPr/>
+        <p:nvPr/>
+      </p:nvGrpSpPr>
+      <p:grpSpPr>
+        <a:xfrm>
+          <a:off x="0" y="0"/>
+          <a:ext cx="0" cy="0"/>
+          <a:chOff x="0" y="0"/>
+          <a:chExt cx="0" cy="0"/>
+        </a:xfrm>
+      </p:grpSpPr>
+      <p:sp>
+        <p:nvSpPr>
+          <p:cNvPr id="2" name="幻灯片图像占位符 1"/>
+          <p:cNvSpPr>
+            <a:spLocks noGrp="true" noRot="true" noChangeAspect="true"/>
+          </p:cNvSpPr>
+          <p:nvPr>
+            <p:ph type="sldImg" idx="2"/>
+          </p:nvPr>
+        </p:nvSpPr>
+        <p:spPr/>
+      </p:sp>
+      <p:sp>
+        <p:nvSpPr>
+          <p:cNvPr id="3" name="文本占位符 2"/>
+          <p:cNvSpPr>
+            <a:spLocks noGrp="true"/>
+          </p:cNvSpPr>
+          <p:nvPr>
+            <p:ph type="body" idx="3"/>
+          </p:nvPr>
+        </p:nvSpPr>
+        <p:spPr/>
+        <p:txBody>
+          <a:bodyPr/>
+          <a:lstStyle/>
+          <a:p>
+            <a:endParaRPr lang="zh-CN" altLang="en-US"/>
+          </a:p>
+        </p:txBody>
+      </p:sp>
+    </p:spTree>
+  </p:cSld>
+  <p:clrMapOvr>
+    <a:masterClrMapping/>
+  </p:clrMapOvr>
+</p:notes>
+</file>
+
+<file path=ppt/notesSlides/notesSlide5.xml><?xml version="1.0" encoding="utf-8"?>
 <p:notes xmlns:a="http://schemas.openxmlformats.org/drawingml/2006/main" xmlns:r="http://schemas.openxmlformats.org/officeDocument/2006/relationships" xmlns:p="http://schemas.openxmlformats.org/presentationml/2006/main">
   <p:cSld>
     <p:spTree>
@@ -3865,7 +3909,7 @@
         <p:spPr>
           <a:xfrm>
             <a:off x="734519" y="1894792"/>
-            <a:ext cx="10283252" cy="2062103"/>
+            <a:ext cx="10283252" cy="2061210"/>
           </a:xfrm>
           <a:prstGeom prst="rect">
             <a:avLst/>
@@ -3955,7 +3999,17 @@
               <a:rPr lang="en-US" altLang="zh-CN" sz="3200" b="1"/>
               <a:t>Author: ZWS</a:t>
             </a:r>
-            <a:endParaRPr lang="zh-CN" altLang="en-US" sz="3200" b="1"/>
+            <a:r>
+              <a:rPr lang="" altLang="en-US" sz="3200" b="1"/>
+              <a:t>, </a:t>
+            </a:r>
+            <a:r>
+              <a:rPr lang="en-US" altLang="zh-CN" sz="3200" b="1">
+                <a:sym typeface="+mn-ea"/>
+              </a:rPr>
+              <a:t>ZGQ</a:t>
+            </a:r>
+            <a:endParaRPr lang="" altLang="zh-CN" sz="3200" b="1"/>
           </a:p>
         </p:txBody>
       </p:sp>
